--- a/Client/camera_pos.pptx
+++ b/Client/camera_pos.pptx
@@ -6,6 +6,7 @@
   </p:sldMasterIdLst>
   <p:sldIdLst>
     <p:sldId id="256" r:id="rId2"/>
+    <p:sldId id="257" r:id="rId3"/>
   </p:sldIdLst>
   <p:sldSz cx="9144000" cy="6858000" type="screen4x3"/>
   <p:notesSz cx="6858000" cy="9144000"/>
@@ -1852,10 +1853,26 @@
             <p:ph type="title"/>
           </p:nvPr>
         </p:nvSpPr>
-        <p:spPr/>
-        <p:txBody>
-          <a:bodyPr/>
-          <a:lstStyle/>
+        <p:spPr>
+          <a:xfrm>
+            <a:off x="457200" y="274638"/>
+            <a:ext cx="8229600" cy="634082"/>
+          </a:xfrm>
+        </p:spPr>
+        <p:txBody>
+          <a:bodyPr>
+            <a:normAutofit/>
+          </a:bodyPr>
+          <a:lstStyle>
+            <a:lvl1pPr marL="571500" indent="-571500" algn="l">
+              <a:buFont typeface="Wingdings" pitchFamily="2" charset="2"/>
+              <a:buChar char="Ø"/>
+              <a:defRPr sz="3600">
+                <a:latin typeface="Noto Sans CJK KR Bold" pitchFamily="34" charset="-127"/>
+                <a:ea typeface="Noto Sans CJK KR Bold" pitchFamily="34" charset="-127"/>
+              </a:defRPr>
+            </a:lvl1pPr>
+          </a:lstStyle>
           <a:p>
             <a:r>
               <a:rPr lang="ko-KR" altLang="en-US" smtClean="0"/>
@@ -3103,7 +3120,7 @@
         </p:nvSpPr>
         <p:spPr>
           <a:xfrm>
-            <a:off x="1669847" y="2050894"/>
+            <a:off x="1187624" y="2122902"/>
             <a:ext cx="3600000" cy="2160000"/>
           </a:xfrm>
           <a:prstGeom prst="rect">
@@ -3156,7 +3173,7 @@
         </p:nvSpPr>
         <p:spPr>
           <a:xfrm>
-            <a:off x="4860432" y="3861288"/>
+            <a:off x="4378209" y="3933296"/>
             <a:ext cx="3600000" cy="2160000"/>
           </a:xfrm>
           <a:prstGeom prst="rect">
@@ -3194,6 +3211,926 @@
           </a:p>
         </p:txBody>
       </p:sp>
+      <p:sp>
+        <p:nvSpPr>
+          <p:cNvPr id="11" name="TextBox 10"/>
+          <p:cNvSpPr txBox="1"/>
+          <p:nvPr/>
+        </p:nvSpPr>
+        <p:spPr>
+          <a:xfrm>
+            <a:off x="2546674" y="3110569"/>
+            <a:ext cx="1157937" cy="184666"/>
+          </a:xfrm>
+          <a:prstGeom prst="rect">
+            <a:avLst/>
+          </a:prstGeom>
+          <a:noFill/>
+        </p:spPr>
+        <p:txBody>
+          <a:bodyPr wrap="none" lIns="36000" tIns="0" rIns="36000" bIns="0" rtlCol="0" anchor="ctr">
+            <a:spAutoFit/>
+          </a:bodyPr>
+          <a:lstStyle/>
+          <a:p>
+            <a:r>
+              <a:rPr lang="en-US" altLang="ko-KR" sz="1200" b="1" dirty="0" smtClean="0">
+                <a:latin typeface="맑은 고딕"/>
+                <a:ea typeface="맑은 고딕"/>
+              </a:rPr>
+              <a:t>① </a:t>
+            </a:r>
+            <a:r>
+              <a:rPr lang="en-US" altLang="ko-KR" sz="1200" b="1" dirty="0" err="1" smtClean="0"/>
+              <a:t>m_hBitmap</a:t>
+            </a:r>
+            <a:r>
+              <a:rPr lang="en-US" altLang="ko-KR" sz="1200" b="1" dirty="0" smtClean="0"/>
+              <a:t> </a:t>
+            </a:r>
+            <a:endParaRPr lang="ko-KR" altLang="en-US" sz="1200" b="1" dirty="0"/>
+          </a:p>
+        </p:txBody>
+      </p:sp>
+      <p:sp>
+        <p:nvSpPr>
+          <p:cNvPr id="12" name="TextBox 11"/>
+          <p:cNvSpPr txBox="1"/>
+          <p:nvPr/>
+        </p:nvSpPr>
+        <p:spPr>
+          <a:xfrm>
+            <a:off x="5746939" y="4920963"/>
+            <a:ext cx="927104" cy="184666"/>
+          </a:xfrm>
+          <a:prstGeom prst="rect">
+            <a:avLst/>
+          </a:prstGeom>
+          <a:noFill/>
+        </p:spPr>
+        <p:txBody>
+          <a:bodyPr wrap="none" lIns="36000" tIns="0" rIns="36000" bIns="0" rtlCol="0" anchor="ctr">
+            <a:spAutoFit/>
+          </a:bodyPr>
+          <a:lstStyle/>
+          <a:p>
+            <a:r>
+              <a:rPr lang="en-US" altLang="ko-KR" sz="1200" b="1" dirty="0" smtClean="0">
+                <a:latin typeface="맑은 고딕"/>
+                <a:ea typeface="맑은 고딕"/>
+              </a:rPr>
+              <a:t>② </a:t>
+            </a:r>
+            <a:r>
+              <a:rPr lang="en-US" altLang="ko-KR" sz="1200" b="1" dirty="0" err="1" smtClean="0"/>
+              <a:t>m_hWnd</a:t>
+            </a:r>
+            <a:endParaRPr lang="ko-KR" altLang="en-US" sz="1200" b="1" dirty="0"/>
+          </a:p>
+        </p:txBody>
+      </p:sp>
+      <p:sp>
+        <p:nvSpPr>
+          <p:cNvPr id="14" name="TextBox 13"/>
+          <p:cNvSpPr txBox="1"/>
+          <p:nvPr/>
+        </p:nvSpPr>
+        <p:spPr>
+          <a:xfrm>
+            <a:off x="4584308" y="4142338"/>
+            <a:ext cx="587268" cy="184666"/>
+          </a:xfrm>
+          <a:prstGeom prst="rect">
+            <a:avLst/>
+          </a:prstGeom>
+          <a:noFill/>
+        </p:spPr>
+        <p:txBody>
+          <a:bodyPr wrap="none" lIns="36000" tIns="0" rIns="36000" bIns="0" rtlCol="0" anchor="ctr">
+            <a:spAutoFit/>
+          </a:bodyPr>
+          <a:lstStyle/>
+          <a:p>
+            <a:r>
+              <a:rPr lang="en-US" altLang="ko-KR" sz="1200" b="1" dirty="0" err="1" smtClean="0">
+                <a:solidFill>
+                  <a:srgbClr val="C00000"/>
+                </a:solidFill>
+              </a:rPr>
+              <a:t>m_hDC</a:t>
+            </a:r>
+            <a:endParaRPr lang="ko-KR" altLang="en-US" sz="1200" b="1" dirty="0">
+              <a:solidFill>
+                <a:srgbClr val="C00000"/>
+              </a:solidFill>
+            </a:endParaRPr>
+          </a:p>
+        </p:txBody>
+      </p:sp>
+      <p:sp>
+        <p:nvSpPr>
+          <p:cNvPr id="55" name="제목 54"/>
+          <p:cNvSpPr>
+            <a:spLocks noGrp="1"/>
+          </p:cNvSpPr>
+          <p:nvPr>
+            <p:ph type="title"/>
+          </p:nvPr>
+        </p:nvSpPr>
+        <p:spPr/>
+        <p:txBody>
+          <a:bodyPr>
+            <a:normAutofit fontScale="90000"/>
+          </a:bodyPr>
+          <a:lstStyle/>
+          <a:p>
+            <a:r>
+              <a:rPr lang="en-US" altLang="ko-KR" dirty="0" smtClean="0"/>
+              <a:t>Double Buffering</a:t>
+            </a:r>
+            <a:endParaRPr lang="ko-KR" altLang="en-US" dirty="0"/>
+          </a:p>
+        </p:txBody>
+      </p:sp>
+      <p:sp>
+        <p:nvSpPr>
+          <p:cNvPr id="56" name="TextBox 55"/>
+          <p:cNvSpPr txBox="1"/>
+          <p:nvPr/>
+        </p:nvSpPr>
+        <p:spPr>
+          <a:xfrm>
+            <a:off x="1425481" y="2348880"/>
+            <a:ext cx="864587" cy="184666"/>
+          </a:xfrm>
+          <a:prstGeom prst="rect">
+            <a:avLst/>
+          </a:prstGeom>
+          <a:noFill/>
+        </p:spPr>
+        <p:txBody>
+          <a:bodyPr wrap="none" lIns="36000" tIns="0" rIns="36000" bIns="0" rtlCol="0" anchor="ctr">
+            <a:spAutoFit/>
+          </a:bodyPr>
+          <a:lstStyle/>
+          <a:p>
+            <a:r>
+              <a:rPr lang="en-US" altLang="ko-KR" sz="1200" b="1" dirty="0" err="1" smtClean="0">
+                <a:solidFill>
+                  <a:srgbClr val="C00000"/>
+                </a:solidFill>
+              </a:rPr>
+              <a:t>m_memDC</a:t>
+            </a:r>
+            <a:endParaRPr lang="ko-KR" altLang="en-US" sz="1200" b="1" dirty="0">
+              <a:solidFill>
+                <a:srgbClr val="C00000"/>
+              </a:solidFill>
+            </a:endParaRPr>
+          </a:p>
+        </p:txBody>
+      </p:sp>
+      <p:sp>
+        <p:nvSpPr>
+          <p:cNvPr id="57" name="직사각형 56"/>
+          <p:cNvSpPr/>
+          <p:nvPr/>
+        </p:nvSpPr>
+        <p:spPr>
+          <a:xfrm>
+            <a:off x="5178459" y="4096171"/>
+            <a:ext cx="2614883" cy="276999"/>
+          </a:xfrm>
+          <a:prstGeom prst="rect">
+            <a:avLst/>
+          </a:prstGeom>
+        </p:spPr>
+        <p:txBody>
+          <a:bodyPr wrap="none">
+            <a:spAutoFit/>
+          </a:bodyPr>
+          <a:lstStyle/>
+          <a:p>
+            <a:r>
+              <a:rPr lang="en-US" altLang="ko-KR" sz="1200" dirty="0" smtClean="0">
+                <a:solidFill>
+                  <a:schemeClr val="accent3">
+                    <a:lumMod val="50000"/>
+                  </a:schemeClr>
+                </a:solidFill>
+                <a:latin typeface="Noto Sans CJK KR Bold" pitchFamily="34" charset="-127"/>
+                <a:ea typeface="Noto Sans CJK KR Bold" pitchFamily="34" charset="-127"/>
+              </a:rPr>
+              <a:t>// </a:t>
+            </a:r>
+            <a:r>
+              <a:rPr lang="ko-KR" altLang="en-US" sz="1200" dirty="0" smtClean="0">
+                <a:solidFill>
+                  <a:schemeClr val="accent3">
+                    <a:lumMod val="50000"/>
+                  </a:schemeClr>
+                </a:solidFill>
+                <a:latin typeface="Noto Sans CJK KR Bold" pitchFamily="34" charset="-127"/>
+                <a:ea typeface="Noto Sans CJK KR Bold" pitchFamily="34" charset="-127"/>
+              </a:rPr>
+              <a:t>메인 윈도우에 </a:t>
+            </a:r>
+            <a:r>
+              <a:rPr lang="en-US" altLang="ko-KR" sz="1200" dirty="0" smtClean="0">
+                <a:solidFill>
+                  <a:schemeClr val="accent3">
+                    <a:lumMod val="50000"/>
+                  </a:schemeClr>
+                </a:solidFill>
+                <a:latin typeface="Noto Sans CJK KR Bold" pitchFamily="34" charset="-127"/>
+                <a:ea typeface="Noto Sans CJK KR Bold" pitchFamily="34" charset="-127"/>
+              </a:rPr>
+              <a:t>Draw </a:t>
+            </a:r>
+            <a:r>
+              <a:rPr lang="ko-KR" altLang="en-US" sz="1200" dirty="0" smtClean="0">
+                <a:solidFill>
+                  <a:schemeClr val="accent3">
+                    <a:lumMod val="50000"/>
+                  </a:schemeClr>
+                </a:solidFill>
+                <a:latin typeface="Noto Sans CJK KR Bold" pitchFamily="34" charset="-127"/>
+                <a:ea typeface="Noto Sans CJK KR Bold" pitchFamily="34" charset="-127"/>
+              </a:rPr>
+              <a:t>할 </a:t>
+            </a:r>
+            <a:r>
+              <a:rPr lang="en-US" altLang="ko-KR" sz="1200" dirty="0" smtClean="0">
+                <a:solidFill>
+                  <a:schemeClr val="accent3">
+                    <a:lumMod val="50000"/>
+                  </a:schemeClr>
+                </a:solidFill>
+                <a:latin typeface="Noto Sans CJK KR Bold" pitchFamily="34" charset="-127"/>
+                <a:ea typeface="Noto Sans CJK KR Bold" pitchFamily="34" charset="-127"/>
+              </a:rPr>
+              <a:t>DC(</a:t>
+            </a:r>
+            <a:r>
+              <a:rPr lang="ko-KR" altLang="en-US" sz="1200" dirty="0" smtClean="0">
+                <a:solidFill>
+                  <a:schemeClr val="accent3">
+                    <a:lumMod val="50000"/>
+                  </a:schemeClr>
+                </a:solidFill>
+                <a:latin typeface="Noto Sans CJK KR Bold" pitchFamily="34" charset="-127"/>
+                <a:ea typeface="Noto Sans CJK KR Bold" pitchFamily="34" charset="-127"/>
+              </a:rPr>
+              <a:t>도화지</a:t>
+            </a:r>
+            <a:r>
+              <a:rPr lang="en-US" altLang="ko-KR" sz="1200" dirty="0" smtClean="0">
+                <a:solidFill>
+                  <a:schemeClr val="accent3">
+                    <a:lumMod val="50000"/>
+                  </a:schemeClr>
+                </a:solidFill>
+                <a:latin typeface="Noto Sans CJK KR Bold" pitchFamily="34" charset="-127"/>
+                <a:ea typeface="Noto Sans CJK KR Bold" pitchFamily="34" charset="-127"/>
+              </a:rPr>
+              <a:t>)</a:t>
+            </a:r>
+            <a:endParaRPr lang="ko-KR" altLang="en-US" sz="1200" dirty="0">
+              <a:solidFill>
+                <a:schemeClr val="accent3">
+                  <a:lumMod val="50000"/>
+                </a:schemeClr>
+              </a:solidFill>
+              <a:latin typeface="Noto Sans CJK KR Bold" pitchFamily="34" charset="-127"/>
+              <a:ea typeface="Noto Sans CJK KR Bold" pitchFamily="34" charset="-127"/>
+            </a:endParaRPr>
+          </a:p>
+        </p:txBody>
+      </p:sp>
+      <p:sp>
+        <p:nvSpPr>
+          <p:cNvPr id="58" name="직사각형 57"/>
+          <p:cNvSpPr/>
+          <p:nvPr/>
+        </p:nvSpPr>
+        <p:spPr>
+          <a:xfrm>
+            <a:off x="2311435" y="2302713"/>
+            <a:ext cx="2297488" cy="276999"/>
+          </a:xfrm>
+          <a:prstGeom prst="rect">
+            <a:avLst/>
+          </a:prstGeom>
+        </p:spPr>
+        <p:txBody>
+          <a:bodyPr wrap="none">
+            <a:spAutoFit/>
+          </a:bodyPr>
+          <a:lstStyle/>
+          <a:p>
+            <a:r>
+              <a:rPr lang="en-US" altLang="ko-KR" sz="1200" dirty="0" smtClean="0">
+                <a:solidFill>
+                  <a:schemeClr val="accent3">
+                    <a:lumMod val="50000"/>
+                  </a:schemeClr>
+                </a:solidFill>
+                <a:latin typeface="Noto Sans CJK KR Bold" pitchFamily="34" charset="-127"/>
+                <a:ea typeface="Noto Sans CJK KR Bold" pitchFamily="34" charset="-127"/>
+              </a:rPr>
+              <a:t>// </a:t>
+            </a:r>
+            <a:r>
+              <a:rPr lang="ko-KR" altLang="en-US" sz="1200" dirty="0" smtClean="0">
+                <a:solidFill>
+                  <a:schemeClr val="accent3">
+                    <a:lumMod val="50000"/>
+                  </a:schemeClr>
+                </a:solidFill>
+                <a:latin typeface="Noto Sans CJK KR Bold" pitchFamily="34" charset="-127"/>
+                <a:ea typeface="Noto Sans CJK KR Bold" pitchFamily="34" charset="-127"/>
+              </a:rPr>
+              <a:t>메모리에 </a:t>
+            </a:r>
+            <a:r>
+              <a:rPr lang="en-US" altLang="ko-KR" sz="1200" dirty="0" smtClean="0">
+                <a:solidFill>
+                  <a:schemeClr val="accent3">
+                    <a:lumMod val="50000"/>
+                  </a:schemeClr>
+                </a:solidFill>
+                <a:latin typeface="Noto Sans CJK KR Bold" pitchFamily="34" charset="-127"/>
+                <a:ea typeface="Noto Sans CJK KR Bold" pitchFamily="34" charset="-127"/>
+              </a:rPr>
+              <a:t>Draw </a:t>
+            </a:r>
+            <a:r>
+              <a:rPr lang="ko-KR" altLang="en-US" sz="1200" dirty="0" smtClean="0">
+                <a:solidFill>
+                  <a:schemeClr val="accent3">
+                    <a:lumMod val="50000"/>
+                  </a:schemeClr>
+                </a:solidFill>
+                <a:latin typeface="Noto Sans CJK KR Bold" pitchFamily="34" charset="-127"/>
+                <a:ea typeface="Noto Sans CJK KR Bold" pitchFamily="34" charset="-127"/>
+              </a:rPr>
+              <a:t>할 </a:t>
+            </a:r>
+            <a:r>
+              <a:rPr lang="en-US" altLang="ko-KR" sz="1200" dirty="0" smtClean="0">
+                <a:solidFill>
+                  <a:schemeClr val="accent3">
+                    <a:lumMod val="50000"/>
+                  </a:schemeClr>
+                </a:solidFill>
+                <a:latin typeface="Noto Sans CJK KR Bold" pitchFamily="34" charset="-127"/>
+                <a:ea typeface="Noto Sans CJK KR Bold" pitchFamily="34" charset="-127"/>
+              </a:rPr>
+              <a:t>DC(</a:t>
+            </a:r>
+            <a:r>
+              <a:rPr lang="ko-KR" altLang="en-US" sz="1200" dirty="0" smtClean="0">
+                <a:solidFill>
+                  <a:schemeClr val="accent3">
+                    <a:lumMod val="50000"/>
+                  </a:schemeClr>
+                </a:solidFill>
+                <a:latin typeface="Noto Sans CJK KR Bold" pitchFamily="34" charset="-127"/>
+                <a:ea typeface="Noto Sans CJK KR Bold" pitchFamily="34" charset="-127"/>
+              </a:rPr>
+              <a:t>도화지</a:t>
+            </a:r>
+            <a:r>
+              <a:rPr lang="en-US" altLang="ko-KR" sz="1200" dirty="0" smtClean="0">
+                <a:solidFill>
+                  <a:schemeClr val="accent3">
+                    <a:lumMod val="50000"/>
+                  </a:schemeClr>
+                </a:solidFill>
+                <a:latin typeface="Noto Sans CJK KR Bold" pitchFamily="34" charset="-127"/>
+                <a:ea typeface="Noto Sans CJK KR Bold" pitchFamily="34" charset="-127"/>
+              </a:rPr>
+              <a:t>)</a:t>
+            </a:r>
+            <a:endParaRPr lang="ko-KR" altLang="en-US" sz="1200" dirty="0">
+              <a:solidFill>
+                <a:schemeClr val="accent3">
+                  <a:lumMod val="50000"/>
+                </a:schemeClr>
+              </a:solidFill>
+              <a:latin typeface="Noto Sans CJK KR Bold" pitchFamily="34" charset="-127"/>
+              <a:ea typeface="Noto Sans CJK KR Bold" pitchFamily="34" charset="-127"/>
+            </a:endParaRPr>
+          </a:p>
+        </p:txBody>
+      </p:sp>
+      <p:sp>
+        <p:nvSpPr>
+          <p:cNvPr id="59" name="직사각형 58"/>
+          <p:cNvSpPr/>
+          <p:nvPr/>
+        </p:nvSpPr>
+        <p:spPr>
+          <a:xfrm>
+            <a:off x="2505601" y="2833570"/>
+            <a:ext cx="1079142" cy="276999"/>
+          </a:xfrm>
+          <a:prstGeom prst="rect">
+            <a:avLst/>
+          </a:prstGeom>
+        </p:spPr>
+        <p:txBody>
+          <a:bodyPr wrap="none">
+            <a:spAutoFit/>
+          </a:bodyPr>
+          <a:lstStyle/>
+          <a:p>
+            <a:r>
+              <a:rPr lang="en-US" altLang="ko-KR" sz="1200" dirty="0" smtClean="0">
+                <a:solidFill>
+                  <a:schemeClr val="accent3">
+                    <a:lumMod val="50000"/>
+                  </a:schemeClr>
+                </a:solidFill>
+                <a:latin typeface="Noto Sans CJK KR Bold" pitchFamily="34" charset="-127"/>
+                <a:ea typeface="Noto Sans CJK KR Bold" pitchFamily="34" charset="-127"/>
+              </a:rPr>
+              <a:t>// </a:t>
+            </a:r>
+            <a:r>
+              <a:rPr lang="ko-KR" altLang="en-US" sz="1200" dirty="0" smtClean="0">
+                <a:solidFill>
+                  <a:schemeClr val="accent3">
+                    <a:lumMod val="50000"/>
+                  </a:schemeClr>
+                </a:solidFill>
+                <a:latin typeface="Noto Sans CJK KR Bold" pitchFamily="34" charset="-127"/>
+                <a:ea typeface="Noto Sans CJK KR Bold" pitchFamily="34" charset="-127"/>
+              </a:rPr>
+              <a:t>버퍼 비트맵</a:t>
+            </a:r>
+            <a:endParaRPr lang="ko-KR" altLang="en-US" sz="1200" dirty="0">
+              <a:solidFill>
+                <a:schemeClr val="accent3">
+                  <a:lumMod val="50000"/>
+                </a:schemeClr>
+              </a:solidFill>
+              <a:latin typeface="Noto Sans CJK KR Bold" pitchFamily="34" charset="-127"/>
+              <a:ea typeface="Noto Sans CJK KR Bold" pitchFamily="34" charset="-127"/>
+            </a:endParaRPr>
+          </a:p>
+        </p:txBody>
+      </p:sp>
+      <p:sp>
+        <p:nvSpPr>
+          <p:cNvPr id="60" name="직사각형 59"/>
+          <p:cNvSpPr/>
+          <p:nvPr/>
+        </p:nvSpPr>
+        <p:spPr>
+          <a:xfrm>
+            <a:off x="5746939" y="4643964"/>
+            <a:ext cx="1079142" cy="276999"/>
+          </a:xfrm>
+          <a:prstGeom prst="rect">
+            <a:avLst/>
+          </a:prstGeom>
+        </p:spPr>
+        <p:txBody>
+          <a:bodyPr wrap="none">
+            <a:spAutoFit/>
+          </a:bodyPr>
+          <a:lstStyle/>
+          <a:p>
+            <a:r>
+              <a:rPr lang="en-US" altLang="ko-KR" sz="1200" dirty="0" smtClean="0">
+                <a:solidFill>
+                  <a:schemeClr val="accent3">
+                    <a:lumMod val="50000"/>
+                  </a:schemeClr>
+                </a:solidFill>
+                <a:latin typeface="Noto Sans CJK KR Bold" pitchFamily="34" charset="-127"/>
+                <a:ea typeface="Noto Sans CJK KR Bold" pitchFamily="34" charset="-127"/>
+              </a:rPr>
+              <a:t>// </a:t>
+            </a:r>
+            <a:r>
+              <a:rPr lang="ko-KR" altLang="en-US" sz="1200" dirty="0" smtClean="0">
+                <a:solidFill>
+                  <a:schemeClr val="accent3">
+                    <a:lumMod val="50000"/>
+                  </a:schemeClr>
+                </a:solidFill>
+                <a:latin typeface="Noto Sans CJK KR Bold" pitchFamily="34" charset="-127"/>
+                <a:ea typeface="Noto Sans CJK KR Bold" pitchFamily="34" charset="-127"/>
+              </a:rPr>
+              <a:t>메인 윈도우</a:t>
+            </a:r>
+            <a:endParaRPr lang="ko-KR" altLang="en-US" sz="1200" dirty="0">
+              <a:solidFill>
+                <a:schemeClr val="accent3">
+                  <a:lumMod val="50000"/>
+                </a:schemeClr>
+              </a:solidFill>
+              <a:latin typeface="Noto Sans CJK KR Bold" pitchFamily="34" charset="-127"/>
+              <a:ea typeface="Noto Sans CJK KR Bold" pitchFamily="34" charset="-127"/>
+            </a:endParaRPr>
+          </a:p>
+        </p:txBody>
+      </p:sp>
+      <p:sp>
+        <p:nvSpPr>
+          <p:cNvPr id="61" name="아래로 구부러진 화살표 60"/>
+          <p:cNvSpPr/>
+          <p:nvPr/>
+        </p:nvSpPr>
+        <p:spPr>
+          <a:xfrm rot="2223129">
+            <a:off x="5008265" y="2929452"/>
+            <a:ext cx="1216152" cy="731520"/>
+          </a:xfrm>
+          <a:prstGeom prst="curvedDownArrow">
+            <a:avLst/>
+          </a:prstGeom>
+        </p:spPr>
+        <p:style>
+          <a:lnRef idx="1">
+            <a:schemeClr val="accent5"/>
+          </a:lnRef>
+          <a:fillRef idx="3">
+            <a:schemeClr val="accent5"/>
+          </a:fillRef>
+          <a:effectRef idx="2">
+            <a:schemeClr val="accent5"/>
+          </a:effectRef>
+          <a:fontRef idx="minor">
+            <a:schemeClr val="lt1"/>
+          </a:fontRef>
+        </p:style>
+        <p:txBody>
+          <a:bodyPr rtlCol="0" anchor="ctr"/>
+          <a:lstStyle/>
+          <a:p>
+            <a:pPr algn="ctr"/>
+            <a:endParaRPr lang="ko-KR" altLang="en-US">
+              <a:solidFill>
+                <a:schemeClr val="tx1"/>
+              </a:solidFill>
+            </a:endParaRPr>
+          </a:p>
+        </p:txBody>
+      </p:sp>
+      <p:sp>
+        <p:nvSpPr>
+          <p:cNvPr id="62" name="직사각형 61"/>
+          <p:cNvSpPr/>
+          <p:nvPr/>
+        </p:nvSpPr>
+        <p:spPr>
+          <a:xfrm>
+            <a:off x="4869975" y="2331811"/>
+            <a:ext cx="4110219" cy="369332"/>
+          </a:xfrm>
+          <a:prstGeom prst="rect">
+            <a:avLst/>
+          </a:prstGeom>
+          <a:noFill/>
+        </p:spPr>
+        <p:txBody>
+          <a:bodyPr wrap="none" lIns="36000" tIns="0" rIns="36000" bIns="0" rtlCol="0" anchor="ctr">
+            <a:spAutoFit/>
+          </a:bodyPr>
+          <a:lstStyle/>
+          <a:p>
+            <a:r>
+              <a:rPr lang="en-US" altLang="ko-KR" sz="1200" b="1" dirty="0" err="1">
+                <a:solidFill>
+                  <a:srgbClr val="C00000"/>
+                </a:solidFill>
+              </a:rPr>
+              <a:t>BitBlt</a:t>
+            </a:r>
+            <a:r>
+              <a:rPr lang="en-US" altLang="ko-KR" sz="1200" b="1" dirty="0">
+                <a:solidFill>
+                  <a:srgbClr val="C00000"/>
+                </a:solidFill>
+              </a:rPr>
+              <a:t>(</a:t>
+            </a:r>
+            <a:r>
+              <a:rPr lang="en-US" altLang="ko-KR" sz="1200" b="1" dirty="0" err="1">
+                <a:solidFill>
+                  <a:srgbClr val="C00000"/>
+                </a:solidFill>
+              </a:rPr>
+              <a:t>m_hDC</a:t>
+            </a:r>
+            <a:r>
+              <a:rPr lang="en-US" altLang="ko-KR" sz="1200" b="1" dirty="0">
+                <a:solidFill>
+                  <a:srgbClr val="C00000"/>
+                </a:solidFill>
+              </a:rPr>
+              <a:t>, 0, 0, </a:t>
+            </a:r>
+            <a:r>
+              <a:rPr lang="en-US" altLang="ko-KR" sz="1200" b="1" dirty="0" err="1">
+                <a:solidFill>
+                  <a:srgbClr val="C00000"/>
+                </a:solidFill>
+              </a:rPr>
+              <a:t>m_ptResolution.x</a:t>
+            </a:r>
+            <a:r>
+              <a:rPr lang="en-US" altLang="ko-KR" sz="1200" b="1" dirty="0">
+                <a:solidFill>
+                  <a:srgbClr val="C00000"/>
+                </a:solidFill>
+              </a:rPr>
+              <a:t>, </a:t>
+            </a:r>
+            <a:r>
+              <a:rPr lang="en-US" altLang="ko-KR" sz="1200" b="1" dirty="0" err="1">
+                <a:solidFill>
+                  <a:srgbClr val="C00000"/>
+                </a:solidFill>
+              </a:rPr>
+              <a:t>m_ptResolution.y</a:t>
+            </a:r>
+            <a:endParaRPr lang="en-US" altLang="ko-KR" sz="1200" b="1" dirty="0">
+              <a:solidFill>
+                <a:srgbClr val="C00000"/>
+              </a:solidFill>
+            </a:endParaRPr>
+          </a:p>
+          <a:p>
+            <a:r>
+              <a:rPr lang="en-US" altLang="ko-KR" sz="1200" b="1" dirty="0">
+                <a:solidFill>
+                  <a:srgbClr val="C00000"/>
+                </a:solidFill>
+              </a:rPr>
+              <a:t>      , </a:t>
+            </a:r>
+            <a:r>
+              <a:rPr lang="en-US" altLang="ko-KR" sz="1200" b="1" dirty="0" err="1">
+                <a:solidFill>
+                  <a:srgbClr val="C00000"/>
+                </a:solidFill>
+              </a:rPr>
+              <a:t>m_memDC</a:t>
+            </a:r>
+            <a:r>
+              <a:rPr lang="en-US" altLang="ko-KR" sz="1200" b="1" dirty="0">
+                <a:solidFill>
+                  <a:srgbClr val="C00000"/>
+                </a:solidFill>
+              </a:rPr>
+              <a:t>, 0, 0, SRCCOPY);</a:t>
+            </a:r>
+            <a:endParaRPr lang="ko-KR" altLang="en-US" sz="1200" b="1" dirty="0">
+              <a:solidFill>
+                <a:srgbClr val="C00000"/>
+              </a:solidFill>
+            </a:endParaRPr>
+          </a:p>
+        </p:txBody>
+      </p:sp>
+      <p:sp>
+        <p:nvSpPr>
+          <p:cNvPr id="63" name="직사각형 62"/>
+          <p:cNvSpPr/>
+          <p:nvPr/>
+        </p:nvSpPr>
+        <p:spPr>
+          <a:xfrm>
+            <a:off x="4831457" y="2035239"/>
+            <a:ext cx="2478564" cy="276999"/>
+          </a:xfrm>
+          <a:prstGeom prst="rect">
+            <a:avLst/>
+          </a:prstGeom>
+        </p:spPr>
+        <p:txBody>
+          <a:bodyPr wrap="none">
+            <a:spAutoFit/>
+          </a:bodyPr>
+          <a:lstStyle/>
+          <a:p>
+            <a:r>
+              <a:rPr lang="en-US" altLang="ko-KR" sz="1200" dirty="0" smtClean="0">
+                <a:solidFill>
+                  <a:schemeClr val="accent3">
+                    <a:lumMod val="50000"/>
+                  </a:schemeClr>
+                </a:solidFill>
+                <a:latin typeface="Noto Sans CJK KR Bold" pitchFamily="34" charset="-127"/>
+                <a:ea typeface="Noto Sans CJK KR Bold" pitchFamily="34" charset="-127"/>
+              </a:rPr>
+              <a:t>// </a:t>
+            </a:r>
+            <a:r>
+              <a:rPr lang="en-US" altLang="ko-KR" sz="1200" dirty="0" err="1" smtClean="0">
+                <a:solidFill>
+                  <a:schemeClr val="accent3">
+                    <a:lumMod val="50000"/>
+                  </a:schemeClr>
+                </a:solidFill>
+                <a:latin typeface="Noto Sans CJK KR Bold" pitchFamily="34" charset="-127"/>
+                <a:ea typeface="Noto Sans CJK KR Bold" pitchFamily="34" charset="-127"/>
+              </a:rPr>
+              <a:t>m_memDC</a:t>
+            </a:r>
+            <a:r>
+              <a:rPr lang="en-US" altLang="ko-KR" sz="1200" dirty="0" smtClean="0">
+                <a:solidFill>
+                  <a:schemeClr val="accent3">
+                    <a:lumMod val="50000"/>
+                  </a:schemeClr>
+                </a:solidFill>
+                <a:latin typeface="Noto Sans CJK KR Bold" pitchFamily="34" charset="-127"/>
+                <a:ea typeface="Noto Sans CJK KR Bold" pitchFamily="34" charset="-127"/>
+              </a:rPr>
+              <a:t> ⇒ </a:t>
+            </a:r>
+            <a:r>
+              <a:rPr lang="en-US" altLang="ko-KR" sz="1200" dirty="0" err="1" smtClean="0">
+                <a:solidFill>
+                  <a:schemeClr val="accent3">
+                    <a:lumMod val="50000"/>
+                  </a:schemeClr>
+                </a:solidFill>
+                <a:latin typeface="Noto Sans CJK KR Bold" pitchFamily="34" charset="-127"/>
+                <a:ea typeface="Noto Sans CJK KR Bold" pitchFamily="34" charset="-127"/>
+              </a:rPr>
+              <a:t>m_hDC</a:t>
+            </a:r>
+            <a:r>
+              <a:rPr lang="en-US" altLang="ko-KR" sz="1200" dirty="0" smtClean="0">
+                <a:solidFill>
+                  <a:schemeClr val="accent3">
+                    <a:lumMod val="50000"/>
+                  </a:schemeClr>
+                </a:solidFill>
+                <a:latin typeface="Noto Sans CJK KR Bold" pitchFamily="34" charset="-127"/>
+                <a:ea typeface="Noto Sans CJK KR Bold" pitchFamily="34" charset="-127"/>
+              </a:rPr>
+              <a:t> </a:t>
+            </a:r>
+            <a:r>
+              <a:rPr lang="ko-KR" altLang="en-US" sz="1200" dirty="0" smtClean="0">
+                <a:solidFill>
+                  <a:schemeClr val="accent3">
+                    <a:lumMod val="50000"/>
+                  </a:schemeClr>
+                </a:solidFill>
+                <a:latin typeface="Noto Sans CJK KR Bold" pitchFamily="34" charset="-127"/>
+                <a:ea typeface="Noto Sans CJK KR Bold" pitchFamily="34" charset="-127"/>
+              </a:rPr>
+              <a:t>로 바꿈</a:t>
+            </a:r>
+            <a:endParaRPr lang="ko-KR" altLang="en-US" sz="1200" dirty="0">
+              <a:solidFill>
+                <a:schemeClr val="accent3">
+                  <a:lumMod val="50000"/>
+                </a:schemeClr>
+              </a:solidFill>
+              <a:latin typeface="Noto Sans CJK KR Bold" pitchFamily="34" charset="-127"/>
+              <a:ea typeface="Noto Sans CJK KR Bold" pitchFamily="34" charset="-127"/>
+            </a:endParaRPr>
+          </a:p>
+        </p:txBody>
+      </p:sp>
+    </p:spTree>
+    <p:extLst>
+      <p:ext uri="{BB962C8B-B14F-4D97-AF65-F5344CB8AC3E}">
+        <p14:creationId xmlns:p14="http://schemas.microsoft.com/office/powerpoint/2010/main" val="2832366243"/>
+      </p:ext>
+    </p:extLst>
+  </p:cSld>
+  <p:clrMapOvr>
+    <a:masterClrMapping/>
+  </p:clrMapOvr>
+</p:sld>
+</file>
+
+<file path=ppt/slides/slide2.xml><?xml version="1.0" encoding="utf-8"?>
+<p:sld xmlns:a="http://schemas.openxmlformats.org/drawingml/2006/main" xmlns:r="http://schemas.openxmlformats.org/officeDocument/2006/relationships" xmlns:p="http://schemas.openxmlformats.org/presentationml/2006/main">
+  <p:cSld>
+    <p:spTree>
+      <p:nvGrpSpPr>
+        <p:cNvPr id="1" name=""/>
+        <p:cNvGrpSpPr/>
+        <p:nvPr/>
+      </p:nvGrpSpPr>
+      <p:grpSpPr>
+        <a:xfrm>
+          <a:off x="0" y="0"/>
+          <a:ext cx="0" cy="0"/>
+          <a:chOff x="0" y="0"/>
+          <a:chExt cx="0" cy="0"/>
+        </a:xfrm>
+      </p:grpSpPr>
+      <p:sp>
+        <p:nvSpPr>
+          <p:cNvPr id="41" name="직사각형 40"/>
+          <p:cNvSpPr/>
+          <p:nvPr/>
+        </p:nvSpPr>
+        <p:spPr>
+          <a:xfrm>
+            <a:off x="1669847" y="2266918"/>
+            <a:ext cx="3600000" cy="2160000"/>
+          </a:xfrm>
+          <a:prstGeom prst="rect">
+            <a:avLst/>
+          </a:prstGeom>
+          <a:solidFill>
+            <a:schemeClr val="bg1">
+              <a:lumMod val="95000"/>
+            </a:schemeClr>
+          </a:solidFill>
+          <a:ln>
+            <a:solidFill>
+              <a:schemeClr val="bg1">
+                <a:lumMod val="65000"/>
+              </a:schemeClr>
+            </a:solidFill>
+            <a:prstDash val="dash"/>
+          </a:ln>
+        </p:spPr>
+        <p:style>
+          <a:lnRef idx="2">
+            <a:schemeClr val="accent1">
+              <a:shade val="50000"/>
+            </a:schemeClr>
+          </a:lnRef>
+          <a:fillRef idx="1">
+            <a:schemeClr val="accent1"/>
+          </a:fillRef>
+          <a:effectRef idx="0">
+            <a:schemeClr val="accent1"/>
+          </a:effectRef>
+          <a:fontRef idx="minor">
+            <a:schemeClr val="lt1"/>
+          </a:fontRef>
+        </p:style>
+        <p:txBody>
+          <a:bodyPr rtlCol="0" anchor="ctr"/>
+          <a:lstStyle/>
+          <a:p>
+            <a:pPr algn="ctr"/>
+            <a:endParaRPr lang="ko-KR" altLang="en-US"/>
+          </a:p>
+        </p:txBody>
+      </p:sp>
+      <p:sp>
+        <p:nvSpPr>
+          <p:cNvPr id="5" name="직사각형 4"/>
+          <p:cNvSpPr/>
+          <p:nvPr/>
+        </p:nvSpPr>
+        <p:spPr>
+          <a:xfrm>
+            <a:off x="4860432" y="4077312"/>
+            <a:ext cx="3600000" cy="2160000"/>
+          </a:xfrm>
+          <a:prstGeom prst="rect">
+            <a:avLst/>
+          </a:prstGeom>
+          <a:solidFill>
+            <a:schemeClr val="accent1">
+              <a:lumMod val="20000"/>
+              <a:lumOff val="80000"/>
+            </a:schemeClr>
+          </a:solidFill>
+        </p:spPr>
+        <p:style>
+          <a:lnRef idx="2">
+            <a:schemeClr val="accent1">
+              <a:shade val="50000"/>
+            </a:schemeClr>
+          </a:lnRef>
+          <a:fillRef idx="1">
+            <a:schemeClr val="accent1"/>
+          </a:fillRef>
+          <a:effectRef idx="0">
+            <a:schemeClr val="accent1"/>
+          </a:effectRef>
+          <a:fontRef idx="minor">
+            <a:schemeClr val="lt1"/>
+          </a:fontRef>
+        </p:style>
+        <p:txBody>
+          <a:bodyPr rtlCol="0" anchor="ctr"/>
+          <a:lstStyle/>
+          <a:p>
+            <a:pPr algn="ctr"/>
+            <a:endParaRPr lang="ko-KR" altLang="en-US"/>
+          </a:p>
+        </p:txBody>
+      </p:sp>
       <p:cxnSp>
         <p:nvCxnSpPr>
           <p:cNvPr id="9" name="직선 연결선 8"/>
@@ -3205,7 +4142,7 @@
         </p:nvCxnSpPr>
         <p:spPr>
           <a:xfrm>
-            <a:off x="3513533" y="3174580"/>
+            <a:off x="3513533" y="3390604"/>
             <a:ext cx="3105154" cy="1722191"/>
           </a:xfrm>
           <a:prstGeom prst="line">
@@ -3242,7 +4179,7 @@
         </p:nvSpPr>
         <p:spPr>
           <a:xfrm>
-            <a:off x="6802991" y="4072550"/>
+            <a:off x="6802991" y="4288574"/>
             <a:ext cx="881899" cy="184666"/>
           </a:xfrm>
           <a:prstGeom prst="rect">
@@ -3283,7 +4220,7 @@
         </p:nvSpPr>
         <p:spPr>
           <a:xfrm>
-            <a:off x="6802991" y="4324454"/>
+            <a:off x="6802991" y="4540478"/>
             <a:ext cx="1344141" cy="184666"/>
           </a:xfrm>
           <a:prstGeom prst="rect">
@@ -3320,7 +4257,7 @@
         </p:nvSpPr>
         <p:spPr>
           <a:xfrm>
-            <a:off x="5066531" y="4070330"/>
+            <a:off x="5066531" y="4286354"/>
             <a:ext cx="611312" cy="184666"/>
           </a:xfrm>
           <a:prstGeom prst="rect">
@@ -3363,7 +4300,7 @@
         </p:nvCxnSpPr>
         <p:spPr>
           <a:xfrm flipV="1">
-            <a:off x="6660232" y="1155656"/>
+            <a:off x="6660232" y="1371680"/>
             <a:ext cx="0" cy="3780000"/>
           </a:xfrm>
           <a:prstGeom prst="line">
@@ -3399,7 +4336,7 @@
         </p:nvSpPr>
         <p:spPr>
           <a:xfrm>
-            <a:off x="1195911" y="1736504"/>
+            <a:off x="1195911" y="1952528"/>
             <a:ext cx="455821" cy="257369"/>
           </a:xfrm>
           <a:prstGeom prst="rect">
@@ -3429,7 +4366,7 @@
         </p:nvCxnSpPr>
         <p:spPr>
           <a:xfrm>
-            <a:off x="894899" y="4941168"/>
+            <a:off x="894899" y="5157192"/>
             <a:ext cx="5760000" cy="0"/>
           </a:xfrm>
           <a:prstGeom prst="line">
@@ -3465,7 +4402,7 @@
         </p:nvCxnSpPr>
         <p:spPr>
           <a:xfrm>
-            <a:off x="1674930" y="3121758"/>
+            <a:off x="1674930" y="3337782"/>
             <a:ext cx="1800000" cy="0"/>
           </a:xfrm>
           <a:prstGeom prst="line">
@@ -3501,7 +4438,7 @@
         </p:nvCxnSpPr>
         <p:spPr>
           <a:xfrm flipV="1">
-            <a:off x="3469247" y="2044018"/>
+            <a:off x="3469247" y="2260042"/>
             <a:ext cx="0" cy="1080000"/>
           </a:xfrm>
           <a:prstGeom prst="line">
@@ -3537,7 +4474,7 @@
         </p:nvCxnSpPr>
         <p:spPr>
           <a:xfrm>
-            <a:off x="4552950" y="3865521"/>
+            <a:off x="4552950" y="4081545"/>
             <a:ext cx="0" cy="1080000"/>
           </a:xfrm>
           <a:prstGeom prst="straightConnector1">
@@ -3571,7 +4508,7 @@
         </p:nvCxnSpPr>
         <p:spPr>
           <a:xfrm flipH="1">
-            <a:off x="1676822" y="1484784"/>
+            <a:off x="1676822" y="1700808"/>
             <a:ext cx="4968000" cy="0"/>
           </a:xfrm>
           <a:prstGeom prst="straightConnector1">
@@ -3605,7 +4542,7 @@
         </p:nvCxnSpPr>
         <p:spPr>
           <a:xfrm flipH="1">
-            <a:off x="4853054" y="3553934"/>
+            <a:off x="4853054" y="3769958"/>
             <a:ext cx="1800000" cy="0"/>
           </a:xfrm>
           <a:prstGeom prst="straightConnector1">
@@ -3639,7 +4576,7 @@
         </p:nvCxnSpPr>
         <p:spPr>
           <a:xfrm>
-            <a:off x="1165791" y="2061168"/>
+            <a:off x="1165791" y="2277192"/>
             <a:ext cx="0" cy="2880000"/>
           </a:xfrm>
           <a:prstGeom prst="straightConnector1">
@@ -3673,7 +4610,7 @@
         </p:nvCxnSpPr>
         <p:spPr>
           <a:xfrm>
-            <a:off x="949961" y="2050894"/>
+            <a:off x="949961" y="2266918"/>
             <a:ext cx="720000" cy="0"/>
           </a:xfrm>
           <a:prstGeom prst="line">
@@ -3709,7 +4646,7 @@
         </p:nvCxnSpPr>
         <p:spPr>
           <a:xfrm flipV="1">
-            <a:off x="1669847" y="1320540"/>
+            <a:off x="1669847" y="1536564"/>
             <a:ext cx="0" cy="720000"/>
           </a:xfrm>
           <a:prstGeom prst="line">
@@ -3745,7 +4682,7 @@
         </p:nvSpPr>
         <p:spPr>
           <a:xfrm>
-            <a:off x="6600591" y="4878675"/>
+            <a:off x="6600591" y="5094699"/>
             <a:ext cx="123564" cy="123564"/>
           </a:xfrm>
           <a:prstGeom prst="ellipse">
@@ -3791,7 +4728,7 @@
         </p:nvSpPr>
         <p:spPr>
           <a:xfrm>
-            <a:off x="3408065" y="3069112"/>
+            <a:off x="3408065" y="3285136"/>
             <a:ext cx="123564" cy="123564"/>
           </a:xfrm>
           <a:prstGeom prst="ellipse">
@@ -3837,7 +4774,7 @@
         </p:nvSpPr>
         <p:spPr>
           <a:xfrm>
-            <a:off x="2101634" y="2706370"/>
+            <a:off x="2101634" y="2922394"/>
             <a:ext cx="1243024" cy="184666"/>
           </a:xfrm>
           <a:prstGeom prst="rect">
@@ -3889,7 +4826,7 @@
         </p:nvSpPr>
         <p:spPr>
           <a:xfrm>
-            <a:off x="783903" y="3573016"/>
+            <a:off x="783903" y="3789040"/>
             <a:ext cx="754236" cy="184666"/>
           </a:xfrm>
           <a:prstGeom prst="rect">
@@ -3925,7 +4862,7 @@
         </p:nvSpPr>
         <p:spPr>
           <a:xfrm>
-            <a:off x="6812550" y="4843318"/>
+            <a:off x="6812550" y="5059342"/>
             <a:ext cx="931336" cy="184666"/>
           </a:xfrm>
           <a:prstGeom prst="rect">
@@ -3963,7 +4900,7 @@
         </p:nvSpPr>
         <p:spPr>
           <a:xfrm>
-            <a:off x="3486658" y="2523166"/>
+            <a:off x="3486658" y="2739190"/>
             <a:ext cx="1228917" cy="184666"/>
           </a:xfrm>
           <a:prstGeom prst="rect">
@@ -4001,7 +4938,7 @@
         </p:nvSpPr>
         <p:spPr>
           <a:xfrm>
-            <a:off x="3486658" y="2828754"/>
+            <a:off x="3486658" y="3044778"/>
             <a:ext cx="698195" cy="184666"/>
           </a:xfrm>
           <a:prstGeom prst="rect">
@@ -4039,7 +4976,7 @@
         </p:nvSpPr>
         <p:spPr>
           <a:xfrm>
-            <a:off x="2101634" y="2914411"/>
+            <a:off x="2101634" y="3130435"/>
             <a:ext cx="1246230" cy="184666"/>
           </a:xfrm>
           <a:prstGeom prst="rect">
@@ -4091,7 +5028,7 @@
         </p:nvCxnSpPr>
         <p:spPr>
           <a:xfrm flipV="1">
-            <a:off x="4853054" y="3284984"/>
+            <a:off x="4853054" y="3501008"/>
             <a:ext cx="0" cy="576000"/>
           </a:xfrm>
           <a:prstGeom prst="line">
@@ -4127,7 +5064,7 @@
         </p:nvCxnSpPr>
         <p:spPr>
           <a:xfrm>
-            <a:off x="4212160" y="3855922"/>
+            <a:off x="4212160" y="4071946"/>
             <a:ext cx="648000" cy="0"/>
           </a:xfrm>
           <a:prstGeom prst="line">
@@ -4163,7 +5100,7 @@
         </p:nvSpPr>
         <p:spPr>
           <a:xfrm>
-            <a:off x="5158730" y="3450833"/>
+            <a:off x="5158730" y="3666857"/>
             <a:ext cx="1187175" cy="184666"/>
           </a:xfrm>
           <a:prstGeom prst="rect">
@@ -4202,7 +5139,7 @@
         </p:nvSpPr>
         <p:spPr>
           <a:xfrm>
-            <a:off x="3592310" y="4348608"/>
+            <a:off x="3592310" y="4564632"/>
             <a:ext cx="1190381" cy="184666"/>
           </a:xfrm>
           <a:prstGeom prst="rect">
@@ -4241,7 +5178,7 @@
         </p:nvSpPr>
         <p:spPr>
           <a:xfrm>
-            <a:off x="3821005" y="1392451"/>
+            <a:off x="3821005" y="1608475"/>
             <a:ext cx="751030" cy="184666"/>
           </a:xfrm>
           <a:prstGeom prst="rect">
@@ -4269,10 +5206,52 @@
           </a:p>
         </p:txBody>
       </p:sp>
+      <p:sp>
+        <p:nvSpPr>
+          <p:cNvPr id="4" name="제목 3"/>
+          <p:cNvSpPr>
+            <a:spLocks noGrp="1"/>
+          </p:cNvSpPr>
+          <p:nvPr>
+            <p:ph type="title"/>
+          </p:nvPr>
+        </p:nvSpPr>
+        <p:spPr/>
+        <p:txBody>
+          <a:bodyPr>
+            <a:normAutofit fontScale="90000"/>
+          </a:bodyPr>
+          <a:lstStyle/>
+          <a:p>
+            <a:pPr algn="l"/>
+            <a:r>
+              <a:rPr lang="en-US" altLang="ko-KR" dirty="0" smtClean="0"/>
+              <a:t>Camera </a:t>
+            </a:r>
+            <a:r>
+              <a:rPr lang="ko-KR" altLang="en-US" dirty="0" smtClean="0"/>
+              <a:t>이동</a:t>
+            </a:r>
+            <a:r>
+              <a:rPr lang="en-US" altLang="ko-KR" dirty="0" smtClean="0"/>
+              <a:t>(</a:t>
+            </a:r>
+            <a:r>
+              <a:rPr lang="en-US" altLang="ko-KR" dirty="0" err="1" smtClean="0"/>
+              <a:t>vLookAt</a:t>
+            </a:r>
+            <a:r>
+              <a:rPr lang="en-US" altLang="ko-KR" dirty="0" smtClean="0"/>
+              <a:t>)</a:t>
+            </a:r>
+            <a:endParaRPr lang="ko-KR" altLang="en-US" dirty="0"/>
+          </a:p>
+        </p:txBody>
+      </p:sp>
     </p:spTree>
     <p:extLst>
       <p:ext uri="{BB962C8B-B14F-4D97-AF65-F5344CB8AC3E}">
-        <p14:creationId xmlns:p14="http://schemas.microsoft.com/office/powerpoint/2010/main" val="2832366243"/>
+        <p14:creationId xmlns:p14="http://schemas.microsoft.com/office/powerpoint/2010/main" val="1622950981"/>
       </p:ext>
     </p:extLst>
   </p:cSld>
